--- a/final/기획안.pptx
+++ b/final/기획안.pptx
@@ -9552,7 +9552,7 @@
             </a:r>
             <a:r>
               <a:rPr lang="en-US" altLang="ko-KR" noProof="1"/>
-              <a:t>. </a:t>
+              <a:t>, </a:t>
             </a:r>
             <a:r>
               <a:rPr lang="ko-KR" altLang="en-US" noProof="1"/>
@@ -9560,7 +9560,7 @@
             </a:r>
             <a:r>
               <a:rPr lang="en-US" altLang="ko-KR" noProof="1"/>
-              <a:t>. </a:t>
+              <a:t>, </a:t>
             </a:r>
             <a:r>
               <a:rPr lang="ko-KR" altLang="en-US" noProof="1"/>
@@ -9605,7 +9605,7 @@
             </a:r>
             <a:r>
               <a:rPr lang="ko-KR" altLang="en-US" noProof="1"/>
-              <a:t>시간표 추가 </a:t>
+              <a:t>시간표 추가</a:t>
             </a:r>
             <a:r>
               <a:rPr lang="en-US" altLang="ko-KR" noProof="1"/>
@@ -10580,6 +10580,66 @@
           </a:prstGeom>
         </p:spPr>
       </p:pic>
+      <p:pic>
+        <p:nvPicPr>
+          <p:cNvPr id="4" name="그림 3">
+            <a:extLst>
+              <a:ext uri="{FF2B5EF4-FFF2-40B4-BE49-F238E27FC236}">
+                <a16:creationId xmlns:a16="http://schemas.microsoft.com/office/drawing/2014/main" id="{44D3AD77-202D-461E-B5F2-0FC4FB8BD385}"/>
+              </a:ext>
+            </a:extLst>
+          </p:cNvPr>
+          <p:cNvPicPr>
+            <a:picLocks noChangeAspect="1"/>
+          </p:cNvPicPr>
+          <p:nvPr/>
+        </p:nvPicPr>
+        <p:blipFill>
+          <a:blip r:embed="rId6"/>
+          <a:stretch>
+            <a:fillRect/>
+          </a:stretch>
+        </p:blipFill>
+        <p:spPr>
+          <a:xfrm>
+            <a:off x="6394739" y="1162021"/>
+            <a:ext cx="600159" cy="209579"/>
+          </a:xfrm>
+          <a:prstGeom prst="rect">
+            <a:avLst/>
+          </a:prstGeom>
+        </p:spPr>
+      </p:pic>
+      <p:pic>
+        <p:nvPicPr>
+          <p:cNvPr id="8" name="그림 7">
+            <a:extLst>
+              <a:ext uri="{FF2B5EF4-FFF2-40B4-BE49-F238E27FC236}">
+                <a16:creationId xmlns:a16="http://schemas.microsoft.com/office/drawing/2014/main" id="{417CAB1E-7515-4881-B6F8-6C5CBC8F41C0}"/>
+              </a:ext>
+            </a:extLst>
+          </p:cNvPr>
+          <p:cNvPicPr>
+            <a:picLocks noChangeAspect="1"/>
+          </p:cNvPicPr>
+          <p:nvPr/>
+        </p:nvPicPr>
+        <p:blipFill>
+          <a:blip r:embed="rId6"/>
+          <a:stretch>
+            <a:fillRect/>
+          </a:stretch>
+        </p:blipFill>
+        <p:spPr>
+          <a:xfrm>
+            <a:off x="8086640" y="3867771"/>
+            <a:ext cx="600159" cy="209579"/>
+          </a:xfrm>
+          <a:prstGeom prst="rect">
+            <a:avLst/>
+          </a:prstGeom>
+        </p:spPr>
+      </p:pic>
     </p:spTree>
     <p:extLst>
       <p:ext uri="{BB962C8B-B14F-4D97-AF65-F5344CB8AC3E}">
@@ -10988,6 +11048,96 @@
           <a:xfrm>
             <a:off x="8803977" y="5225343"/>
             <a:ext cx="2850713" cy="1206743"/>
+          </a:xfrm>
+          <a:prstGeom prst="rect">
+            <a:avLst/>
+          </a:prstGeom>
+        </p:spPr>
+      </p:pic>
+      <p:pic>
+        <p:nvPicPr>
+          <p:cNvPr id="4" name="그림 3">
+            <a:extLst>
+              <a:ext uri="{FF2B5EF4-FFF2-40B4-BE49-F238E27FC236}">
+                <a16:creationId xmlns:a16="http://schemas.microsoft.com/office/drawing/2014/main" id="{6B482E3A-E4CA-4865-A7B2-F7EAD31114FF}"/>
+              </a:ext>
+            </a:extLst>
+          </p:cNvPr>
+          <p:cNvPicPr>
+            <a:picLocks noChangeAspect="1"/>
+          </p:cNvPicPr>
+          <p:nvPr/>
+        </p:nvPicPr>
+        <p:blipFill>
+          <a:blip r:embed="rId7"/>
+          <a:stretch>
+            <a:fillRect/>
+          </a:stretch>
+        </p:blipFill>
+        <p:spPr>
+          <a:xfrm>
+            <a:off x="5245076" y="2221552"/>
+            <a:ext cx="600159" cy="209579"/>
+          </a:xfrm>
+          <a:prstGeom prst="rect">
+            <a:avLst/>
+          </a:prstGeom>
+        </p:spPr>
+      </p:pic>
+      <p:pic>
+        <p:nvPicPr>
+          <p:cNvPr id="6" name="그림 5">
+            <a:extLst>
+              <a:ext uri="{FF2B5EF4-FFF2-40B4-BE49-F238E27FC236}">
+                <a16:creationId xmlns:a16="http://schemas.microsoft.com/office/drawing/2014/main" id="{7F75162F-0E23-4A24-99E3-835E768F4225}"/>
+              </a:ext>
+            </a:extLst>
+          </p:cNvPr>
+          <p:cNvPicPr>
+            <a:picLocks noChangeAspect="1"/>
+          </p:cNvPicPr>
+          <p:nvPr/>
+        </p:nvPicPr>
+        <p:blipFill>
+          <a:blip r:embed="rId7"/>
+          <a:stretch>
+            <a:fillRect/>
+          </a:stretch>
+        </p:blipFill>
+        <p:spPr>
+          <a:xfrm>
+            <a:off x="5328186" y="4617440"/>
+            <a:ext cx="600159" cy="209579"/>
+          </a:xfrm>
+          <a:prstGeom prst="rect">
+            <a:avLst/>
+          </a:prstGeom>
+        </p:spPr>
+      </p:pic>
+      <p:pic>
+        <p:nvPicPr>
+          <p:cNvPr id="8" name="그림 7">
+            <a:extLst>
+              <a:ext uri="{FF2B5EF4-FFF2-40B4-BE49-F238E27FC236}">
+                <a16:creationId xmlns:a16="http://schemas.microsoft.com/office/drawing/2014/main" id="{AAAA241C-E312-430C-AAD3-DB205B6A3B2A}"/>
+              </a:ext>
+            </a:extLst>
+          </p:cNvPr>
+          <p:cNvPicPr>
+            <a:picLocks noChangeAspect="1"/>
+          </p:cNvPicPr>
+          <p:nvPr/>
+        </p:nvPicPr>
+        <p:blipFill>
+          <a:blip r:embed="rId7"/>
+          <a:stretch>
+            <a:fillRect/>
+          </a:stretch>
+        </p:blipFill>
+        <p:spPr>
+          <a:xfrm>
+            <a:off x="8870814" y="5225343"/>
+            <a:ext cx="600159" cy="209579"/>
           </a:xfrm>
           <a:prstGeom prst="rect">
             <a:avLst/>
@@ -11639,10 +11789,10 @@
       </p:pic>
       <p:pic>
         <p:nvPicPr>
-          <p:cNvPr id="8" name="그림 7">
-            <a:extLst>
-              <a:ext uri="{FF2B5EF4-FFF2-40B4-BE49-F238E27FC236}">
-                <a16:creationId xmlns:a16="http://schemas.microsoft.com/office/drawing/2014/main" id="{9C0B7BF9-C52F-44DE-AAB2-CFA0F577A441}"/>
+          <p:cNvPr id="16" name="그림 15">
+            <a:extLst>
+              <a:ext uri="{FF2B5EF4-FFF2-40B4-BE49-F238E27FC236}">
+                <a16:creationId xmlns:a16="http://schemas.microsoft.com/office/drawing/2014/main" id="{578F3E7B-821C-4E98-BF3D-92DD288DDB16}"/>
               </a:ext>
             </a:extLst>
           </p:cNvPr>
@@ -11659,8 +11809,8 @@
         </p:blipFill>
         <p:spPr>
           <a:xfrm>
-            <a:off x="9701407" y="488306"/>
-            <a:ext cx="2375232" cy="1295581"/>
+            <a:off x="9702800" y="5290007"/>
+            <a:ext cx="2373839" cy="1027281"/>
           </a:xfrm>
           <a:prstGeom prst="rect">
             <a:avLst/>
@@ -11669,10 +11819,10 @@
       </p:pic>
       <p:pic>
         <p:nvPicPr>
-          <p:cNvPr id="14" name="그림 13">
-            <a:extLst>
-              <a:ext uri="{FF2B5EF4-FFF2-40B4-BE49-F238E27FC236}">
-                <a16:creationId xmlns:a16="http://schemas.microsoft.com/office/drawing/2014/main" id="{A222CBFF-6B55-486B-8445-00D55A5ACF78}"/>
+          <p:cNvPr id="3" name="그림 2">
+            <a:extLst>
+              <a:ext uri="{FF2B5EF4-FFF2-40B4-BE49-F238E27FC236}">
+                <a16:creationId xmlns:a16="http://schemas.microsoft.com/office/drawing/2014/main" id="{0A5CB36C-C380-49B0-B6AD-378CCFB0D5AF}"/>
               </a:ext>
             </a:extLst>
           </p:cNvPr>
@@ -11689,8 +11839,8 @@
         </p:blipFill>
         <p:spPr>
           <a:xfrm>
-            <a:off x="9701407" y="3833812"/>
-            <a:ext cx="2375231" cy="1088341"/>
+            <a:off x="5210626" y="58742"/>
+            <a:ext cx="4375421" cy="3501793"/>
           </a:xfrm>
           <a:prstGeom prst="rect">
             <a:avLst/>
@@ -11699,10 +11849,10 @@
       </p:pic>
       <p:pic>
         <p:nvPicPr>
-          <p:cNvPr id="16" name="그림 15">
-            <a:extLst>
-              <a:ext uri="{FF2B5EF4-FFF2-40B4-BE49-F238E27FC236}">
-                <a16:creationId xmlns:a16="http://schemas.microsoft.com/office/drawing/2014/main" id="{578F3E7B-821C-4E98-BF3D-92DD288DDB16}"/>
+          <p:cNvPr id="10" name="그림 9">
+            <a:extLst>
+              <a:ext uri="{FF2B5EF4-FFF2-40B4-BE49-F238E27FC236}">
+                <a16:creationId xmlns:a16="http://schemas.microsoft.com/office/drawing/2014/main" id="{312BFD3E-B06E-45E4-8707-9F01E97B1369}"/>
               </a:ext>
             </a:extLst>
           </p:cNvPr>
@@ -11719,8 +11869,8 @@
         </p:blipFill>
         <p:spPr>
           <a:xfrm>
-            <a:off x="9702800" y="5290007"/>
-            <a:ext cx="2373839" cy="1027281"/>
+            <a:off x="5181598" y="3291000"/>
+            <a:ext cx="4404448" cy="3477155"/>
           </a:xfrm>
           <a:prstGeom prst="rect">
             <a:avLst/>
@@ -11729,10 +11879,10 @@
       </p:pic>
       <p:pic>
         <p:nvPicPr>
-          <p:cNvPr id="3" name="그림 2">
-            <a:extLst>
-              <a:ext uri="{FF2B5EF4-FFF2-40B4-BE49-F238E27FC236}">
-                <a16:creationId xmlns:a16="http://schemas.microsoft.com/office/drawing/2014/main" id="{0A5CB36C-C380-49B0-B6AD-378CCFB0D5AF}"/>
+          <p:cNvPr id="9" name="그림 8">
+            <a:extLst>
+              <a:ext uri="{FF2B5EF4-FFF2-40B4-BE49-F238E27FC236}">
+                <a16:creationId xmlns:a16="http://schemas.microsoft.com/office/drawing/2014/main" id="{D631097C-ECAF-41B1-A0F1-B201F2205612}"/>
               </a:ext>
             </a:extLst>
           </p:cNvPr>
@@ -11749,8 +11899,8 @@
         </p:blipFill>
         <p:spPr>
           <a:xfrm>
-            <a:off x="5210626" y="58742"/>
-            <a:ext cx="4375421" cy="3501793"/>
+            <a:off x="9701407" y="406157"/>
+            <a:ext cx="2375232" cy="1307881"/>
           </a:xfrm>
           <a:prstGeom prst="rect">
             <a:avLst/>
@@ -11759,10 +11909,10 @@
       </p:pic>
       <p:pic>
         <p:nvPicPr>
-          <p:cNvPr id="10" name="그림 9">
-            <a:extLst>
-              <a:ext uri="{FF2B5EF4-FFF2-40B4-BE49-F238E27FC236}">
-                <a16:creationId xmlns:a16="http://schemas.microsoft.com/office/drawing/2014/main" id="{312BFD3E-B06E-45E4-8707-9F01E97B1369}"/>
+          <p:cNvPr id="15" name="그림 14">
+            <a:extLst>
+              <a:ext uri="{FF2B5EF4-FFF2-40B4-BE49-F238E27FC236}">
+                <a16:creationId xmlns:a16="http://schemas.microsoft.com/office/drawing/2014/main" id="{A2ED3280-3D01-4B2C-A8A4-A9FC7DC225ED}"/>
               </a:ext>
             </a:extLst>
           </p:cNvPr>
@@ -11779,8 +11929,8 @@
         </p:blipFill>
         <p:spPr>
           <a:xfrm>
-            <a:off x="5181598" y="3291000"/>
-            <a:ext cx="4404448" cy="3477155"/>
+            <a:off x="9701407" y="3969183"/>
+            <a:ext cx="2375232" cy="982854"/>
           </a:xfrm>
           <a:prstGeom prst="rect">
             <a:avLst/>
@@ -12735,15 +12885,6 @@
 </file>
 
 <file path=customXml/item2.xml><?xml version="1.0" encoding="utf-8"?>
-<p:properties xmlns:p="http://schemas.microsoft.com/office/2006/metadata/properties" xmlns:xsi="http://www.w3.org/2001/XMLSchema-instance" xmlns:pc="http://schemas.microsoft.com/office/infopath/2007/PartnerControls">
-  <documentManagement>
-    <Status xmlns="71af3243-3dd4-4a8d-8c0d-dd76da1f02a5">Not started</Status>
-    <MediaServiceKeyPoints xmlns="71af3243-3dd4-4a8d-8c0d-dd76da1f02a5" xsi:nil="true"/>
-  </documentManagement>
-</p:properties>
-</file>
-
-<file path=customXml/item3.xml><?xml version="1.0" encoding="utf-8"?>
 <ct:contentTypeSchema xmlns:ct="http://schemas.microsoft.com/office/2006/metadata/contentType" xmlns:ma="http://schemas.microsoft.com/office/2006/metadata/properties/metaAttributes" ct:_="" ma:_="" ma:contentTypeName="Document" ma:contentTypeID="0x01010079F111ED35F8CC479449609E8A0923A6" ma:contentTypeVersion="12" ma:contentTypeDescription="Create a new document." ma:contentTypeScope="" ma:versionID="fa6e671f1cd7e4d96ff9652be322dd5e">
   <xsd:schema xmlns:xsd="http://www.w3.org/2001/XMLSchema" xmlns:xs="http://www.w3.org/2001/XMLSchema" xmlns:p="http://schemas.microsoft.com/office/2006/metadata/properties" xmlns:ns2="71af3243-3dd4-4a8d-8c0d-dd76da1f02a5" xmlns:ns3="16c05727-aa75-4e4a-9b5f-8a80a1165891" targetNamespace="http://schemas.microsoft.com/office/2006/metadata/properties" ma:root="true" ma:fieldsID="4e2496f70b101db0b8013f30a071bbf7" ns2:_="" ns3:_="">
     <xsd:import namespace="71af3243-3dd4-4a8d-8c0d-dd76da1f02a5"/>
@@ -12964,6 +13105,15 @@
 </ct:contentTypeSchema>
 </file>
 
+<file path=customXml/item3.xml><?xml version="1.0" encoding="utf-8"?>
+<p:properties xmlns:p="http://schemas.microsoft.com/office/2006/metadata/properties" xmlns:xsi="http://www.w3.org/2001/XMLSchema-instance" xmlns:pc="http://schemas.microsoft.com/office/infopath/2007/PartnerControls">
+  <documentManagement>
+    <Status xmlns="71af3243-3dd4-4a8d-8c0d-dd76da1f02a5">Not started</Status>
+    <MediaServiceKeyPoints xmlns="71af3243-3dd4-4a8d-8c0d-dd76da1f02a5" xsi:nil="true"/>
+  </documentManagement>
+</p:properties>
+</file>
+
 <file path=customXml/itemProps1.xml><?xml version="1.0" encoding="utf-8"?>
 <ds:datastoreItem xmlns:ds="http://schemas.openxmlformats.org/officeDocument/2006/customXml" ds:itemID="{8435A0B9-5F49-415F-9BEE-591FDACE98D1}">
   <ds:schemaRefs>
@@ -12973,16 +13123,6 @@
 </file>
 
 <file path=customXml/itemProps2.xml><?xml version="1.0" encoding="utf-8"?>
-<ds:datastoreItem xmlns:ds="http://schemas.openxmlformats.org/officeDocument/2006/customXml" ds:itemID="{ADC43B05-D266-4257-98DE-FF9D8CEDAE76}">
-  <ds:schemaRefs>
-    <ds:schemaRef ds:uri="http://schemas.microsoft.com/office/2006/metadata/properties"/>
-    <ds:schemaRef ds:uri="http://schemas.microsoft.com/office/infopath/2007/PartnerControls"/>
-    <ds:schemaRef ds:uri="71af3243-3dd4-4a8d-8c0d-dd76da1f02a5"/>
-  </ds:schemaRefs>
-</ds:datastoreItem>
-</file>
-
-<file path=customXml/itemProps3.xml><?xml version="1.0" encoding="utf-8"?>
 <ds:datastoreItem xmlns:ds="http://schemas.openxmlformats.org/officeDocument/2006/customXml" ds:itemID="{D76AEDE5-E9AF-4E9F-97C3-19B848D35AB4}">
   <ds:schemaRefs>
     <ds:schemaRef ds:uri="http://schemas.microsoft.com/office/2006/metadata/contentType"/>
@@ -12999,4 +13139,14 @@
     <ds:schemaRef ds:uri="http://schemas.microsoft.com/internal/obd"/>
   </ds:schemaRefs>
 </ds:datastoreItem>
+</file>
+
+<file path=customXml/itemProps3.xml><?xml version="1.0" encoding="utf-8"?>
+<ds:datastoreItem xmlns:ds="http://schemas.openxmlformats.org/officeDocument/2006/customXml" ds:itemID="{ADC43B05-D266-4257-98DE-FF9D8CEDAE76}">
+  <ds:schemaRefs>
+    <ds:schemaRef ds:uri="http://schemas.microsoft.com/office/2006/metadata/properties"/>
+    <ds:schemaRef ds:uri="http://schemas.microsoft.com/office/infopath/2007/PartnerControls"/>
+    <ds:schemaRef ds:uri="71af3243-3dd4-4a8d-8c0d-dd76da1f02a5"/>
+  </ds:schemaRefs>
+</ds:datastoreItem>
 </file>